--- a/presentations/weekly_meetings/3_14_24.pptx
+++ b/presentations/weekly_meetings/3_14_24.pptx
@@ -212,7 +212,7 @@
           <a:p>
             <a:fld id="{E933A773-0DCE-3544-BB67-D5FA58DF903C}" type="datetimeFigureOut">
               <a:rPr lang="en-US" smtClean="0"/>
-              <a:t>3/7/24</a:t>
+              <a:t>3/8/24</a:t>
             </a:fld>
             <a:endParaRPr lang="en-US"/>
           </a:p>
@@ -715,6 +715,27 @@
           <a:bodyPr/>
           <a:lstStyle/>
           <a:p>
+            <a:pPr algn="l"/>
+            <a:r>
+              <a:rPr lang="en-US" dirty="0"/>
+              <a:t>Explanation for Tregs being higher in </a:t>
+            </a:r>
+            <a:r>
+              <a:rPr lang="en-US" dirty="0" err="1"/>
+              <a:t>irAE</a:t>
+            </a:r>
+            <a:r>
+              <a:rPr lang="en-US" dirty="0"/>
+              <a:t>: perhaps Treg expansion just follows general immune activation induced by ICB in patients who respond well to ICB and develop </a:t>
+            </a:r>
+            <a:r>
+              <a:rPr lang="en-US" dirty="0" err="1"/>
+              <a:t>irAEs</a:t>
+            </a:r>
+            <a:endParaRPr lang="en-US" dirty="0"/>
+          </a:p>
+          <a:p>
+            <a:pPr algn="l"/>
             <a:endParaRPr lang="en-US" b="0" dirty="0">
               <a:solidFill>
                 <a:srgbClr val="CCCCCC"/>
@@ -722,6 +743,39 @@
               <a:effectLst/>
               <a:latin typeface="Menlo" panose="020B0609030804020204" pitchFamily="49" charset="0"/>
             </a:endParaRPr>
+          </a:p>
+          <a:p>
+            <a:pPr algn="l"/>
+            <a:r>
+              <a:rPr lang="en-US" b="0" dirty="0">
+                <a:solidFill>
+                  <a:srgbClr val="CCCCCC"/>
+                </a:solidFill>
+                <a:effectLst/>
+                <a:latin typeface="Menlo" panose="020B0609030804020204" pitchFamily="49" charset="0"/>
+              </a:rPr>
+              <a:t>Explanation for Tregs being lower in </a:t>
+            </a:r>
+            <a:r>
+              <a:rPr lang="en-US" b="0" dirty="0" err="1">
+                <a:solidFill>
+                  <a:srgbClr val="CCCCCC"/>
+                </a:solidFill>
+                <a:effectLst/>
+                <a:latin typeface="Menlo" panose="020B0609030804020204" pitchFamily="49" charset="0"/>
+              </a:rPr>
+              <a:t>irAE</a:t>
+            </a:r>
+            <a:r>
+              <a:rPr lang="en-US" b="0" dirty="0">
+                <a:solidFill>
+                  <a:srgbClr val="CCCCCC"/>
+                </a:solidFill>
+                <a:effectLst/>
+                <a:latin typeface="Menlo" panose="020B0609030804020204" pitchFamily="49" charset="0"/>
+              </a:rPr>
+              <a:t>: less inhibition of autoreactive T cells</a:t>
+            </a:r>
           </a:p>
         </p:txBody>
       </p:sp>
@@ -1142,7 +1196,7 @@
           <a:p>
             <a:fld id="{80FC6068-BAFB-FC44-B9D8-F4B3BB105DE6}" type="datetimeFigureOut">
               <a:rPr lang="en-US" smtClean="0"/>
-              <a:t>3/7/24</a:t>
+              <a:t>3/8/24</a:t>
             </a:fld>
             <a:endParaRPr lang="en-US"/>
           </a:p>
@@ -1340,7 +1394,7 @@
           <a:p>
             <a:fld id="{80FC6068-BAFB-FC44-B9D8-F4B3BB105DE6}" type="datetimeFigureOut">
               <a:rPr lang="en-US" smtClean="0"/>
-              <a:t>3/7/24</a:t>
+              <a:t>3/8/24</a:t>
             </a:fld>
             <a:endParaRPr lang="en-US"/>
           </a:p>
@@ -1548,7 +1602,7 @@
           <a:p>
             <a:fld id="{80FC6068-BAFB-FC44-B9D8-F4B3BB105DE6}" type="datetimeFigureOut">
               <a:rPr lang="en-US" smtClean="0"/>
-              <a:t>3/7/24</a:t>
+              <a:t>3/8/24</a:t>
             </a:fld>
             <a:endParaRPr lang="en-US"/>
           </a:p>
@@ -1752,7 +1806,7 @@
           <a:p>
             <a:fld id="{80FC6068-BAFB-FC44-B9D8-F4B3BB105DE6}" type="datetimeFigureOut">
               <a:rPr lang="en-US" smtClean="0"/>
-              <a:t>3/7/24</a:t>
+              <a:t>3/8/24</a:t>
             </a:fld>
             <a:endParaRPr lang="en-US"/>
           </a:p>
@@ -2043,7 +2097,7 @@
           <a:p>
             <a:fld id="{80FC6068-BAFB-FC44-B9D8-F4B3BB105DE6}" type="datetimeFigureOut">
               <a:rPr lang="en-US" smtClean="0"/>
-              <a:t>3/7/24</a:t>
+              <a:t>3/8/24</a:t>
             </a:fld>
             <a:endParaRPr lang="en-US"/>
           </a:p>
@@ -2308,7 +2362,7 @@
           <a:p>
             <a:fld id="{80FC6068-BAFB-FC44-B9D8-F4B3BB105DE6}" type="datetimeFigureOut">
               <a:rPr lang="en-US" smtClean="0"/>
-              <a:t>3/7/24</a:t>
+              <a:t>3/8/24</a:t>
             </a:fld>
             <a:endParaRPr lang="en-US"/>
           </a:p>
@@ -2720,7 +2774,7 @@
           <a:p>
             <a:fld id="{80FC6068-BAFB-FC44-B9D8-F4B3BB105DE6}" type="datetimeFigureOut">
               <a:rPr lang="en-US" smtClean="0"/>
-              <a:t>3/7/24</a:t>
+              <a:t>3/8/24</a:t>
             </a:fld>
             <a:endParaRPr lang="en-US"/>
           </a:p>
@@ -2861,7 +2915,7 @@
           <a:p>
             <a:fld id="{80FC6068-BAFB-FC44-B9D8-F4B3BB105DE6}" type="datetimeFigureOut">
               <a:rPr lang="en-US" smtClean="0"/>
-              <a:t>3/7/24</a:t>
+              <a:t>3/8/24</a:t>
             </a:fld>
             <a:endParaRPr lang="en-US"/>
           </a:p>
@@ -2974,7 +3028,7 @@
           <a:p>
             <a:fld id="{80FC6068-BAFB-FC44-B9D8-F4B3BB105DE6}" type="datetimeFigureOut">
               <a:rPr lang="en-US" smtClean="0"/>
-              <a:t>3/7/24</a:t>
+              <a:t>3/8/24</a:t>
             </a:fld>
             <a:endParaRPr lang="en-US"/>
           </a:p>
@@ -3285,7 +3339,7 @@
           <a:p>
             <a:fld id="{80FC6068-BAFB-FC44-B9D8-F4B3BB105DE6}" type="datetimeFigureOut">
               <a:rPr lang="en-US" smtClean="0"/>
-              <a:t>3/7/24</a:t>
+              <a:t>3/8/24</a:t>
             </a:fld>
             <a:endParaRPr lang="en-US"/>
           </a:p>
@@ -3573,7 +3627,7 @@
           <a:p>
             <a:fld id="{80FC6068-BAFB-FC44-B9D8-F4B3BB105DE6}" type="datetimeFigureOut">
               <a:rPr lang="en-US" smtClean="0"/>
-              <a:t>3/7/24</a:t>
+              <a:t>3/8/24</a:t>
             </a:fld>
             <a:endParaRPr lang="en-US"/>
           </a:p>
@@ -3814,7 +3868,7 @@
           <a:p>
             <a:fld id="{80FC6068-BAFB-FC44-B9D8-F4B3BB105DE6}" type="datetimeFigureOut">
               <a:rPr lang="en-US" smtClean="0"/>
-              <a:t>3/7/24</a:t>
+              <a:t>3/8/24</a:t>
             </a:fld>
             <a:endParaRPr lang="en-US"/>
           </a:p>
@@ -4498,15 +4552,133 @@
           <a:p>
             <a:r>
               <a:rPr lang="en-US" dirty="0"/>
-              <a:t>Lower baseline levels of Tregs associated </a:t>
-            </a:r>
-            <a:r>
-              <a:rPr lang="en-US"/>
-              <a:t>with irAEs</a:t>
-            </a:r>
-          </a:p>
-          <a:p>
-            <a:endParaRPr lang="en-US" dirty="0"/>
+              <a:t>Early expansion of Ki-67+ Tregs associated with </a:t>
+            </a:r>
+            <a:r>
+              <a:rPr lang="en-US" dirty="0" err="1"/>
+              <a:t>irAEs</a:t>
+            </a:r>
+            <a:r>
+              <a:rPr lang="en-US" dirty="0"/>
+              <a:t> (</a:t>
+            </a:r>
+            <a:r>
+              <a:rPr lang="en-US" b="0" i="0" u="none" strike="noStrike" dirty="0">
+                <a:solidFill>
+                  <a:srgbClr val="212121"/>
+                </a:solidFill>
+                <a:effectLst/>
+                <a:latin typeface="BlinkMacSystemFont"/>
+              </a:rPr>
+              <a:t>PMID36693381)</a:t>
+            </a:r>
+          </a:p>
+          <a:p>
+            <a:r>
+              <a:rPr lang="en-US" dirty="0">
+                <a:solidFill>
+                  <a:srgbClr val="212121"/>
+                </a:solidFill>
+                <a:latin typeface="BlinkMacSystemFont"/>
+              </a:rPr>
+              <a:t>Tregs trend higher in inflammation-prone </a:t>
+            </a:r>
+            <a:r>
+              <a:rPr lang="en-US" dirty="0" err="1">
+                <a:solidFill>
+                  <a:srgbClr val="212121"/>
+                </a:solidFill>
+                <a:latin typeface="BlinkMacSystemFont"/>
+              </a:rPr>
+              <a:t>irAE</a:t>
+            </a:r>
+            <a:r>
+              <a:rPr lang="en-US" dirty="0">
+                <a:solidFill>
+                  <a:srgbClr val="212121"/>
+                </a:solidFill>
+                <a:latin typeface="BlinkMacSystemFont"/>
+              </a:rPr>
+              <a:t> mouse model, Tregs accrue in human ICB-associated colitis biopsies (PMID36367776)</a:t>
+            </a:r>
+          </a:p>
+          <a:p>
+            <a:endParaRPr lang="en-US" b="0" i="0" u="none" strike="noStrike" dirty="0">
+              <a:solidFill>
+                <a:srgbClr val="212121"/>
+              </a:solidFill>
+              <a:effectLst/>
+              <a:latin typeface="BlinkMacSystemFont"/>
+            </a:endParaRPr>
+          </a:p>
+          <a:p>
+            <a:r>
+              <a:rPr lang="en-US" dirty="0"/>
+              <a:t>Lower baseline levels of Tregs associated with </a:t>
+            </a:r>
+            <a:r>
+              <a:rPr lang="en-US" dirty="0" err="1"/>
+              <a:t>irAEs</a:t>
+            </a:r>
+            <a:r>
+              <a:rPr lang="en-US" dirty="0"/>
+              <a:t> (PMID38233101)</a:t>
+            </a:r>
+            <a:endParaRPr lang="en-US" b="0" i="0" u="none" strike="noStrike" dirty="0">
+              <a:solidFill>
+                <a:srgbClr val="212121"/>
+              </a:solidFill>
+              <a:effectLst/>
+              <a:latin typeface="BlinkMacSystemFont"/>
+            </a:endParaRPr>
+          </a:p>
+          <a:p>
+            <a:r>
+              <a:rPr lang="en-US" b="0" i="0" u="none" strike="noStrike" dirty="0">
+                <a:solidFill>
+                  <a:srgbClr val="212121"/>
+                </a:solidFill>
+                <a:effectLst/>
+                <a:latin typeface="BlinkMacSystemFont"/>
+              </a:rPr>
+              <a:t>Tregs decreased in frequency in </a:t>
+            </a:r>
+            <a:r>
+              <a:rPr lang="en-US" b="0" i="0" u="none" strike="noStrike" dirty="0" err="1">
+                <a:solidFill>
+                  <a:srgbClr val="212121"/>
+                </a:solidFill>
+                <a:effectLst/>
+                <a:latin typeface="BlinkMacSystemFont"/>
+              </a:rPr>
+              <a:t>irAE</a:t>
+            </a:r>
+            <a:r>
+              <a:rPr lang="en-US" b="0" i="0" u="none" strike="noStrike" dirty="0">
+                <a:solidFill>
+                  <a:srgbClr val="212121"/>
+                </a:solidFill>
+                <a:effectLst/>
+                <a:latin typeface="BlinkMacSystemFont"/>
+              </a:rPr>
+              <a:t> patients (PMID37593676</a:t>
+            </a:r>
+            <a:r>
+              <a:rPr lang="en-US" dirty="0">
+                <a:solidFill>
+                  <a:srgbClr val="212121"/>
+                </a:solidFill>
+                <a:latin typeface="BlinkMacSystemFont"/>
+              </a:rPr>
+              <a:t>)</a:t>
+            </a:r>
+            <a:endParaRPr lang="en-US" b="0" i="0" u="none" strike="noStrike" dirty="0">
+              <a:solidFill>
+                <a:srgbClr val="212121"/>
+              </a:solidFill>
+              <a:effectLst/>
+              <a:latin typeface="BlinkMacSystemFont"/>
+            </a:endParaRPr>
           </a:p>
         </p:txBody>
       </p:sp>
@@ -4613,7 +4785,26 @@
               <a:buFont typeface="+mj-lt"/>
               <a:buAutoNum type="arabicPeriod"/>
             </a:pPr>
-            <a:endParaRPr lang="en-US" dirty="0"/>
+            <a:r>
+              <a:rPr lang="en-US" dirty="0"/>
+              <a:t>No TCR feature differences between </a:t>
+            </a:r>
+            <a:r>
+              <a:rPr lang="en-US" dirty="0" err="1"/>
+              <a:t>irAE</a:t>
+            </a:r>
+            <a:r>
+              <a:rPr lang="en-US" dirty="0"/>
+              <a:t> groups within </a:t>
+            </a:r>
+            <a:r>
+              <a:rPr lang="en-US" dirty="0" err="1"/>
+              <a:t>SingleR</a:t>
+            </a:r>
+            <a:r>
+              <a:rPr lang="en-US" dirty="0"/>
+              <a:t> cell types at highly expanded level, some differences at whole level but nothing consistent across both colitis datasets (data not shown)</a:t>
+            </a:r>
           </a:p>
         </p:txBody>
       </p:sp>

--- a/presentations/weekly_meetings/3_14_24.pptx
+++ b/presentations/weekly_meetings/3_14_24.pptx
@@ -5,14 +5,17 @@
     <p:sldMasterId id="2147483648" r:id="rId1"/>
   </p:sldMasterIdLst>
   <p:notesMasterIdLst>
-    <p:notesMasterId r:id="rId7"/>
+    <p:notesMasterId r:id="rId10"/>
   </p:notesMasterIdLst>
   <p:sldIdLst>
     <p:sldId id="477" r:id="rId2"/>
     <p:sldId id="499" r:id="rId3"/>
-    <p:sldId id="550" r:id="rId4"/>
-    <p:sldId id="548" r:id="rId5"/>
-    <p:sldId id="545" r:id="rId6"/>
+    <p:sldId id="532" r:id="rId4"/>
+    <p:sldId id="583" r:id="rId5"/>
+    <p:sldId id="550" r:id="rId6"/>
+    <p:sldId id="584" r:id="rId7"/>
+    <p:sldId id="585" r:id="rId8"/>
+    <p:sldId id="548" r:id="rId9"/>
   </p:sldIdLst>
   <p:sldSz cx="12192000" cy="6858000"/>
   <p:notesSz cx="6858000" cy="9144000"/>
@@ -212,7 +215,7 @@
           <a:p>
             <a:fld id="{E933A773-0DCE-3544-BB67-D5FA58DF903C}" type="datetimeFigureOut">
               <a:rPr lang="en-US" smtClean="0"/>
-              <a:t>3/8/24</a:t>
+              <a:t>3/12/24</a:t>
             </a:fld>
             <a:endParaRPr lang="en-US"/>
           </a:p>
@@ -661,7 +664,7 @@
         <p:cNvPr id="1" name="">
           <a:extLst>
             <a:ext uri="{FF2B5EF4-FFF2-40B4-BE49-F238E27FC236}">
-              <a16:creationId xmlns:a16="http://schemas.microsoft.com/office/drawing/2014/main" id="{3415C166-0F50-E043-8950-9F266C4565AE}"/>
+              <a16:creationId xmlns:a16="http://schemas.microsoft.com/office/drawing/2014/main" id="{9F9CF0A4-89BE-440E-07EB-666A96F6E1EE}"/>
             </a:ext>
           </a:extLst>
         </p:cNvPr>
@@ -681,7 +684,7 @@
           <p:cNvPr id="2" name="Slide Image Placeholder 1">
             <a:extLst>
               <a:ext uri="{FF2B5EF4-FFF2-40B4-BE49-F238E27FC236}">
-                <a16:creationId xmlns:a16="http://schemas.microsoft.com/office/drawing/2014/main" id="{1E497E09-6D11-D0BA-D2D1-5B08FB997731}"/>
+                <a16:creationId xmlns:a16="http://schemas.microsoft.com/office/drawing/2014/main" id="{DF8072BA-DEFE-DBBB-99A4-7F06F3DBECCC}"/>
               </a:ext>
             </a:extLst>
           </p:cNvPr>
@@ -699,7 +702,7 @@
           <p:cNvPr id="3" name="Notes Placeholder 2">
             <a:extLst>
               <a:ext uri="{FF2B5EF4-FFF2-40B4-BE49-F238E27FC236}">
-                <a16:creationId xmlns:a16="http://schemas.microsoft.com/office/drawing/2014/main" id="{9336C4A5-58A4-D062-54A6-1D67A978E992}"/>
+                <a16:creationId xmlns:a16="http://schemas.microsoft.com/office/drawing/2014/main" id="{8DC89EBE-22A2-E8F9-0B5E-00B34ED77017}"/>
               </a:ext>
             </a:extLst>
           </p:cNvPr>
@@ -715,37 +718,23 @@
           <a:bodyPr/>
           <a:lstStyle/>
           <a:p>
-            <a:pPr algn="l"/>
-            <a:r>
-              <a:rPr lang="en-US" dirty="0"/>
-              <a:t>Explanation for Tregs being higher in </a:t>
-            </a:r>
-            <a:r>
-              <a:rPr lang="en-US" dirty="0" err="1"/>
-              <a:t>irAE</a:t>
-            </a:r>
-            <a:r>
-              <a:rPr lang="en-US" dirty="0"/>
-              <a:t>: perhaps Treg expansion just follows general immune activation induced by ICB in patients who respond well to ICB and develop </a:t>
-            </a:r>
-            <a:r>
-              <a:rPr lang="en-US" dirty="0" err="1"/>
-              <a:t>irAEs</a:t>
-            </a:r>
-            <a:endParaRPr lang="en-US" dirty="0"/>
-          </a:p>
-          <a:p>
-            <a:pPr algn="l"/>
-            <a:endParaRPr lang="en-US" b="0" dirty="0">
-              <a:solidFill>
-                <a:srgbClr val="CCCCCC"/>
-              </a:solidFill>
-              <a:effectLst/>
-              <a:latin typeface="Menlo" panose="020B0609030804020204" pitchFamily="49" charset="0"/>
-            </a:endParaRPr>
-          </a:p>
-          <a:p>
-            <a:pPr algn="l"/>
+            <a:pPr marL="0" marR="0" lvl="0" indent="0" algn="l" defTabSz="914400" rtl="0" eaLnBrk="1" fontAlgn="auto" latinLnBrk="0" hangingPunct="1">
+              <a:lnSpc>
+                <a:spcPct val="100000"/>
+              </a:lnSpc>
+              <a:spcBef>
+                <a:spcPts val="0"/>
+              </a:spcBef>
+              <a:spcAft>
+                <a:spcPts val="0"/>
+              </a:spcAft>
+              <a:buClrTx/>
+              <a:buSzTx/>
+              <a:buFontTx/>
+              <a:buNone/>
+              <a:tabLst/>
+              <a:defRPr/>
+            </a:pPr>
             <a:r>
               <a:rPr lang="en-US" b="0" dirty="0">
                 <a:solidFill>
@@ -754,27 +743,7 @@
                 <a:effectLst/>
                 <a:latin typeface="Menlo" panose="020B0609030804020204" pitchFamily="49" charset="0"/>
               </a:rPr>
-              <a:t>Explanation for Tregs being lower in </a:t>
-            </a:r>
-            <a:r>
-              <a:rPr lang="en-US" b="0" dirty="0" err="1">
-                <a:solidFill>
-                  <a:srgbClr val="CCCCCC"/>
-                </a:solidFill>
-                <a:effectLst/>
-                <a:latin typeface="Menlo" panose="020B0609030804020204" pitchFamily="49" charset="0"/>
-              </a:rPr>
-              <a:t>irAE</a:t>
-            </a:r>
-            <a:r>
-              <a:rPr lang="en-US" b="0" dirty="0">
-                <a:solidFill>
-                  <a:srgbClr val="CCCCCC"/>
-                </a:solidFill>
-                <a:effectLst/>
-                <a:latin typeface="Menlo" panose="020B0609030804020204" pitchFamily="49" charset="0"/>
-              </a:rPr>
-              <a:t>: less inhibition of autoreactive T cells</a:t>
+              <a:t>GSEA from DEGs from CD4 TEMs vs. other CD4s</a:t>
             </a:r>
           </a:p>
         </p:txBody>
@@ -784,7 +753,7 @@
           <p:cNvPr id="4" name="Slide Number Placeholder 3">
             <a:extLst>
               <a:ext uri="{FF2B5EF4-FFF2-40B4-BE49-F238E27FC236}">
-                <a16:creationId xmlns:a16="http://schemas.microsoft.com/office/drawing/2014/main" id="{9F3FD3E1-ECA8-7789-76B9-A150DB6276EE}"/>
+                <a16:creationId xmlns:a16="http://schemas.microsoft.com/office/drawing/2014/main" id="{F738DF2F-359D-75F9-6B29-C6819C5ACB43}"/>
               </a:ext>
             </a:extLst>
           </p:cNvPr>
@@ -811,7 +780,7 @@
     </p:spTree>
     <p:extLst>
       <p:ext uri="{BB962C8B-B14F-4D97-AF65-F5344CB8AC3E}">
-        <p14:creationId xmlns:p14="http://schemas.microsoft.com/office/powerpoint/2010/main" val="2328426750"/>
+        <p14:creationId xmlns:p14="http://schemas.microsoft.com/office/powerpoint/2010/main" val="218942138"/>
       </p:ext>
     </p:extLst>
   </p:cSld>
@@ -829,7 +798,7 @@
         <p:cNvPr id="1" name="">
           <a:extLst>
             <a:ext uri="{FF2B5EF4-FFF2-40B4-BE49-F238E27FC236}">
-              <a16:creationId xmlns:a16="http://schemas.microsoft.com/office/drawing/2014/main" id="{3415C166-0F50-E043-8950-9F266C4565AE}"/>
+              <a16:creationId xmlns:a16="http://schemas.microsoft.com/office/drawing/2014/main" id="{9F9CF0A4-89BE-440E-07EB-666A96F6E1EE}"/>
             </a:ext>
           </a:extLst>
         </p:cNvPr>
@@ -849,7 +818,7 @@
           <p:cNvPr id="2" name="Slide Image Placeholder 1">
             <a:extLst>
               <a:ext uri="{FF2B5EF4-FFF2-40B4-BE49-F238E27FC236}">
-                <a16:creationId xmlns:a16="http://schemas.microsoft.com/office/drawing/2014/main" id="{1E497E09-6D11-D0BA-D2D1-5B08FB997731}"/>
+                <a16:creationId xmlns:a16="http://schemas.microsoft.com/office/drawing/2014/main" id="{DF8072BA-DEFE-DBBB-99A4-7F06F3DBECCC}"/>
               </a:ext>
             </a:extLst>
           </p:cNvPr>
@@ -867,7 +836,7 @@
           <p:cNvPr id="3" name="Notes Placeholder 2">
             <a:extLst>
               <a:ext uri="{FF2B5EF4-FFF2-40B4-BE49-F238E27FC236}">
-                <a16:creationId xmlns:a16="http://schemas.microsoft.com/office/drawing/2014/main" id="{9336C4A5-58A4-D062-54A6-1D67A978E992}"/>
+                <a16:creationId xmlns:a16="http://schemas.microsoft.com/office/drawing/2014/main" id="{8DC89EBE-22A2-E8F9-0B5E-00B34ED77017}"/>
               </a:ext>
             </a:extLst>
           </p:cNvPr>
@@ -883,13 +852,33 @@
           <a:bodyPr/>
           <a:lstStyle/>
           <a:p>
-            <a:endParaRPr lang="en-US" b="0" dirty="0">
-              <a:solidFill>
-                <a:srgbClr val="CCCCCC"/>
-              </a:solidFill>
-              <a:effectLst/>
-              <a:latin typeface="Menlo" panose="020B0609030804020204" pitchFamily="49" charset="0"/>
-            </a:endParaRPr>
+            <a:pPr marL="0" marR="0" lvl="0" indent="0" algn="l" defTabSz="914400" rtl="0" eaLnBrk="1" fontAlgn="auto" latinLnBrk="0" hangingPunct="1">
+              <a:lnSpc>
+                <a:spcPct val="100000"/>
+              </a:lnSpc>
+              <a:spcBef>
+                <a:spcPts val="0"/>
+              </a:spcBef>
+              <a:spcAft>
+                <a:spcPts val="0"/>
+              </a:spcAft>
+              <a:buClrTx/>
+              <a:buSzTx/>
+              <a:buFontTx/>
+              <a:buNone/>
+              <a:tabLst/>
+              <a:defRPr/>
+            </a:pPr>
+            <a:r>
+              <a:rPr lang="en-US" b="0" dirty="0">
+                <a:solidFill>
+                  <a:srgbClr val="CCCCCC"/>
+                </a:solidFill>
+                <a:effectLst/>
+                <a:latin typeface="Menlo" panose="020B0609030804020204" pitchFamily="49" charset="0"/>
+              </a:rPr>
+              <a:t>GSEA from DEGs from CD4 proliferating vs. other CD4s</a:t>
+            </a:r>
           </a:p>
         </p:txBody>
       </p:sp>
@@ -898,7 +887,7 @@
           <p:cNvPr id="4" name="Slide Number Placeholder 3">
             <a:extLst>
               <a:ext uri="{FF2B5EF4-FFF2-40B4-BE49-F238E27FC236}">
-                <a16:creationId xmlns:a16="http://schemas.microsoft.com/office/drawing/2014/main" id="{9F3FD3E1-ECA8-7789-76B9-A150DB6276EE}"/>
+                <a16:creationId xmlns:a16="http://schemas.microsoft.com/office/drawing/2014/main" id="{F738DF2F-359D-75F9-6B29-C6819C5ACB43}"/>
               </a:ext>
             </a:extLst>
           </p:cNvPr>
@@ -925,7 +914,7 @@
     </p:spTree>
     <p:extLst>
       <p:ext uri="{BB962C8B-B14F-4D97-AF65-F5344CB8AC3E}">
-        <p14:creationId xmlns:p14="http://schemas.microsoft.com/office/powerpoint/2010/main" val="3687655026"/>
+        <p14:creationId xmlns:p14="http://schemas.microsoft.com/office/powerpoint/2010/main" val="2045248405"/>
       </p:ext>
     </p:extLst>
   </p:cSld>
@@ -997,6 +986,27 @@
           <a:bodyPr/>
           <a:lstStyle/>
           <a:p>
+            <a:pPr algn="l"/>
+            <a:r>
+              <a:rPr lang="en-US" dirty="0"/>
+              <a:t>Explanation for Tregs being higher in </a:t>
+            </a:r>
+            <a:r>
+              <a:rPr lang="en-US" dirty="0" err="1"/>
+              <a:t>irAE</a:t>
+            </a:r>
+            <a:r>
+              <a:rPr lang="en-US" dirty="0"/>
+              <a:t>: perhaps Treg expansion just follows general immune activation induced by ICB in patients who respond well to ICB and develop </a:t>
+            </a:r>
+            <a:r>
+              <a:rPr lang="en-US" dirty="0" err="1"/>
+              <a:t>irAEs</a:t>
+            </a:r>
+            <a:endParaRPr lang="en-US" dirty="0"/>
+          </a:p>
+          <a:p>
+            <a:pPr algn="l"/>
             <a:endParaRPr lang="en-US" b="0" dirty="0">
               <a:solidFill>
                 <a:srgbClr val="CCCCCC"/>
@@ -1005,6 +1015,39 @@
               <a:latin typeface="Menlo" panose="020B0609030804020204" pitchFamily="49" charset="0"/>
             </a:endParaRPr>
           </a:p>
+          <a:p>
+            <a:pPr algn="l"/>
+            <a:r>
+              <a:rPr lang="en-US" b="0" dirty="0">
+                <a:solidFill>
+                  <a:srgbClr val="CCCCCC"/>
+                </a:solidFill>
+                <a:effectLst/>
+                <a:latin typeface="Menlo" panose="020B0609030804020204" pitchFamily="49" charset="0"/>
+              </a:rPr>
+              <a:t>Explanation for Tregs being lower in </a:t>
+            </a:r>
+            <a:r>
+              <a:rPr lang="en-US" b="0" dirty="0" err="1">
+                <a:solidFill>
+                  <a:srgbClr val="CCCCCC"/>
+                </a:solidFill>
+                <a:effectLst/>
+                <a:latin typeface="Menlo" panose="020B0609030804020204" pitchFamily="49" charset="0"/>
+              </a:rPr>
+              <a:t>irAE</a:t>
+            </a:r>
+            <a:r>
+              <a:rPr lang="en-US" b="0" dirty="0">
+                <a:solidFill>
+                  <a:srgbClr val="CCCCCC"/>
+                </a:solidFill>
+                <a:effectLst/>
+                <a:latin typeface="Menlo" panose="020B0609030804020204" pitchFamily="49" charset="0"/>
+              </a:rPr>
+              <a:t>: less inhibition of autoreactive T cells</a:t>
+            </a:r>
+          </a:p>
         </p:txBody>
       </p:sp>
       <p:sp>
@@ -1039,7 +1082,386 @@
     </p:spTree>
     <p:extLst>
       <p:ext uri="{BB962C8B-B14F-4D97-AF65-F5344CB8AC3E}">
-        <p14:creationId xmlns:p14="http://schemas.microsoft.com/office/powerpoint/2010/main" val="4249981219"/>
+        <p14:creationId xmlns:p14="http://schemas.microsoft.com/office/powerpoint/2010/main" val="1766163097"/>
+      </p:ext>
+    </p:extLst>
+  </p:cSld>
+  <p:clrMapOvr>
+    <a:masterClrMapping/>
+  </p:clrMapOvr>
+</p:notes>
+</file>
+
+<file path=ppt/notesSlides/notesSlide6.xml><?xml version="1.0" encoding="utf-8"?>
+<p:notes xmlns:a="http://schemas.openxmlformats.org/drawingml/2006/main" xmlns:r="http://schemas.openxmlformats.org/officeDocument/2006/relationships" xmlns:p="http://schemas.openxmlformats.org/presentationml/2006/main">
+  <p:cSld>
+    <p:spTree>
+      <p:nvGrpSpPr>
+        <p:cNvPr id="1" name="">
+          <a:extLst>
+            <a:ext uri="{FF2B5EF4-FFF2-40B4-BE49-F238E27FC236}">
+              <a16:creationId xmlns:a16="http://schemas.microsoft.com/office/drawing/2014/main" id="{9F9CF0A4-89BE-440E-07EB-666A96F6E1EE}"/>
+            </a:ext>
+          </a:extLst>
+        </p:cNvPr>
+        <p:cNvGrpSpPr/>
+        <p:nvPr/>
+      </p:nvGrpSpPr>
+      <p:grpSpPr>
+        <a:xfrm>
+          <a:off x="0" y="0"/>
+          <a:ext cx="0" cy="0"/>
+          <a:chOff x="0" y="0"/>
+          <a:chExt cx="0" cy="0"/>
+        </a:xfrm>
+      </p:grpSpPr>
+      <p:sp>
+        <p:nvSpPr>
+          <p:cNvPr id="2" name="Slide Image Placeholder 1">
+            <a:extLst>
+              <a:ext uri="{FF2B5EF4-FFF2-40B4-BE49-F238E27FC236}">
+                <a16:creationId xmlns:a16="http://schemas.microsoft.com/office/drawing/2014/main" id="{DF8072BA-DEFE-DBBB-99A4-7F06F3DBECCC}"/>
+              </a:ext>
+            </a:extLst>
+          </p:cNvPr>
+          <p:cNvSpPr>
+            <a:spLocks noGrp="1" noRot="1" noChangeAspect="1"/>
+          </p:cNvSpPr>
+          <p:nvPr>
+            <p:ph type="sldImg"/>
+          </p:nvPr>
+        </p:nvSpPr>
+        <p:spPr/>
+      </p:sp>
+      <p:sp>
+        <p:nvSpPr>
+          <p:cNvPr id="3" name="Notes Placeholder 2">
+            <a:extLst>
+              <a:ext uri="{FF2B5EF4-FFF2-40B4-BE49-F238E27FC236}">
+                <a16:creationId xmlns:a16="http://schemas.microsoft.com/office/drawing/2014/main" id="{8DC89EBE-22A2-E8F9-0B5E-00B34ED77017}"/>
+              </a:ext>
+            </a:extLst>
+          </p:cNvPr>
+          <p:cNvSpPr>
+            <a:spLocks noGrp="1"/>
+          </p:cNvSpPr>
+          <p:nvPr>
+            <p:ph type="body" idx="1"/>
+          </p:nvPr>
+        </p:nvSpPr>
+        <p:spPr/>
+        <p:txBody>
+          <a:bodyPr/>
+          <a:lstStyle/>
+          <a:p>
+            <a:pPr marL="0" marR="0" lvl="0" indent="0" algn="l" defTabSz="914400" rtl="0" eaLnBrk="1" fontAlgn="auto" latinLnBrk="0" hangingPunct="1">
+              <a:lnSpc>
+                <a:spcPct val="100000"/>
+              </a:lnSpc>
+              <a:spcBef>
+                <a:spcPts val="0"/>
+              </a:spcBef>
+              <a:spcAft>
+                <a:spcPts val="0"/>
+              </a:spcAft>
+              <a:buClrTx/>
+              <a:buSzTx/>
+              <a:buFontTx/>
+              <a:buNone/>
+              <a:tabLst/>
+              <a:defRPr/>
+            </a:pPr>
+            <a:r>
+              <a:rPr lang="en-US" b="0" dirty="0">
+                <a:solidFill>
+                  <a:srgbClr val="CCCCCC"/>
+                </a:solidFill>
+                <a:effectLst/>
+                <a:latin typeface="Menlo" panose="020B0609030804020204" pitchFamily="49" charset="0"/>
+              </a:rPr>
+              <a:t>GSEA from DEGs from memory Tregs vs. other CD4s</a:t>
+            </a:r>
+          </a:p>
+        </p:txBody>
+      </p:sp>
+      <p:sp>
+        <p:nvSpPr>
+          <p:cNvPr id="4" name="Slide Number Placeholder 3">
+            <a:extLst>
+              <a:ext uri="{FF2B5EF4-FFF2-40B4-BE49-F238E27FC236}">
+                <a16:creationId xmlns:a16="http://schemas.microsoft.com/office/drawing/2014/main" id="{F738DF2F-359D-75F9-6B29-C6819C5ACB43}"/>
+              </a:ext>
+            </a:extLst>
+          </p:cNvPr>
+          <p:cNvSpPr>
+            <a:spLocks noGrp="1"/>
+          </p:cNvSpPr>
+          <p:nvPr>
+            <p:ph type="sldNum" sz="quarter" idx="5"/>
+          </p:nvPr>
+        </p:nvSpPr>
+        <p:spPr/>
+        <p:txBody>
+          <a:bodyPr/>
+          <a:lstStyle/>
+          <a:p>
+            <a:fld id="{061BAA8C-FDC6-D345-B4E0-3B02449209FB}" type="slidenum">
+              <a:rPr lang="en-US" smtClean="0"/>
+              <a:t>6</a:t>
+            </a:fld>
+            <a:endParaRPr lang="en-US"/>
+          </a:p>
+        </p:txBody>
+      </p:sp>
+    </p:spTree>
+    <p:extLst>
+      <p:ext uri="{BB962C8B-B14F-4D97-AF65-F5344CB8AC3E}">
+        <p14:creationId xmlns:p14="http://schemas.microsoft.com/office/powerpoint/2010/main" val="4124176791"/>
+      </p:ext>
+    </p:extLst>
+  </p:cSld>
+  <p:clrMapOvr>
+    <a:masterClrMapping/>
+  </p:clrMapOvr>
+</p:notes>
+</file>
+
+<file path=ppt/notesSlides/notesSlide7.xml><?xml version="1.0" encoding="utf-8"?>
+<p:notes xmlns:a="http://schemas.openxmlformats.org/drawingml/2006/main" xmlns:r="http://schemas.openxmlformats.org/officeDocument/2006/relationships" xmlns:p="http://schemas.openxmlformats.org/presentationml/2006/main">
+  <p:cSld>
+    <p:spTree>
+      <p:nvGrpSpPr>
+        <p:cNvPr id="1" name="">
+          <a:extLst>
+            <a:ext uri="{FF2B5EF4-FFF2-40B4-BE49-F238E27FC236}">
+              <a16:creationId xmlns:a16="http://schemas.microsoft.com/office/drawing/2014/main" id="{9F9CF0A4-89BE-440E-07EB-666A96F6E1EE}"/>
+            </a:ext>
+          </a:extLst>
+        </p:cNvPr>
+        <p:cNvGrpSpPr/>
+        <p:nvPr/>
+      </p:nvGrpSpPr>
+      <p:grpSpPr>
+        <a:xfrm>
+          <a:off x="0" y="0"/>
+          <a:ext cx="0" cy="0"/>
+          <a:chOff x="0" y="0"/>
+          <a:chExt cx="0" cy="0"/>
+        </a:xfrm>
+      </p:grpSpPr>
+      <p:sp>
+        <p:nvSpPr>
+          <p:cNvPr id="2" name="Slide Image Placeholder 1">
+            <a:extLst>
+              <a:ext uri="{FF2B5EF4-FFF2-40B4-BE49-F238E27FC236}">
+                <a16:creationId xmlns:a16="http://schemas.microsoft.com/office/drawing/2014/main" id="{DF8072BA-DEFE-DBBB-99A4-7F06F3DBECCC}"/>
+              </a:ext>
+            </a:extLst>
+          </p:cNvPr>
+          <p:cNvSpPr>
+            <a:spLocks noGrp="1" noRot="1" noChangeAspect="1"/>
+          </p:cNvSpPr>
+          <p:nvPr>
+            <p:ph type="sldImg"/>
+          </p:nvPr>
+        </p:nvSpPr>
+        <p:spPr/>
+      </p:sp>
+      <p:sp>
+        <p:nvSpPr>
+          <p:cNvPr id="3" name="Notes Placeholder 2">
+            <a:extLst>
+              <a:ext uri="{FF2B5EF4-FFF2-40B4-BE49-F238E27FC236}">
+                <a16:creationId xmlns:a16="http://schemas.microsoft.com/office/drawing/2014/main" id="{8DC89EBE-22A2-E8F9-0B5E-00B34ED77017}"/>
+              </a:ext>
+            </a:extLst>
+          </p:cNvPr>
+          <p:cNvSpPr>
+            <a:spLocks noGrp="1"/>
+          </p:cNvSpPr>
+          <p:nvPr>
+            <p:ph type="body" idx="1"/>
+          </p:nvPr>
+        </p:nvSpPr>
+        <p:spPr/>
+        <p:txBody>
+          <a:bodyPr/>
+          <a:lstStyle/>
+          <a:p>
+            <a:pPr marL="0" marR="0" lvl="0" indent="0" algn="l" defTabSz="914400" rtl="0" eaLnBrk="1" fontAlgn="auto" latinLnBrk="0" hangingPunct="1">
+              <a:lnSpc>
+                <a:spcPct val="100000"/>
+              </a:lnSpc>
+              <a:spcBef>
+                <a:spcPts val="0"/>
+              </a:spcBef>
+              <a:spcAft>
+                <a:spcPts val="0"/>
+              </a:spcAft>
+              <a:buClrTx/>
+              <a:buSzTx/>
+              <a:buFontTx/>
+              <a:buNone/>
+              <a:tabLst/>
+              <a:defRPr/>
+            </a:pPr>
+            <a:endParaRPr lang="en-US" b="0" dirty="0">
+              <a:solidFill>
+                <a:srgbClr val="CCCCCC"/>
+              </a:solidFill>
+              <a:effectLst/>
+              <a:latin typeface="Menlo" panose="020B0609030804020204" pitchFamily="49" charset="0"/>
+            </a:endParaRPr>
+          </a:p>
+        </p:txBody>
+      </p:sp>
+      <p:sp>
+        <p:nvSpPr>
+          <p:cNvPr id="4" name="Slide Number Placeholder 3">
+            <a:extLst>
+              <a:ext uri="{FF2B5EF4-FFF2-40B4-BE49-F238E27FC236}">
+                <a16:creationId xmlns:a16="http://schemas.microsoft.com/office/drawing/2014/main" id="{F738DF2F-359D-75F9-6B29-C6819C5ACB43}"/>
+              </a:ext>
+            </a:extLst>
+          </p:cNvPr>
+          <p:cNvSpPr>
+            <a:spLocks noGrp="1"/>
+          </p:cNvSpPr>
+          <p:nvPr>
+            <p:ph type="sldNum" sz="quarter" idx="5"/>
+          </p:nvPr>
+        </p:nvSpPr>
+        <p:spPr/>
+        <p:txBody>
+          <a:bodyPr/>
+          <a:lstStyle/>
+          <a:p>
+            <a:fld id="{061BAA8C-FDC6-D345-B4E0-3B02449209FB}" type="slidenum">
+              <a:rPr lang="en-US" smtClean="0"/>
+              <a:t>7</a:t>
+            </a:fld>
+            <a:endParaRPr lang="en-US"/>
+          </a:p>
+        </p:txBody>
+      </p:sp>
+    </p:spTree>
+    <p:extLst>
+      <p:ext uri="{BB962C8B-B14F-4D97-AF65-F5344CB8AC3E}">
+        <p14:creationId xmlns:p14="http://schemas.microsoft.com/office/powerpoint/2010/main" val="4026219693"/>
+      </p:ext>
+    </p:extLst>
+  </p:cSld>
+  <p:clrMapOvr>
+    <a:masterClrMapping/>
+  </p:clrMapOvr>
+</p:notes>
+</file>
+
+<file path=ppt/notesSlides/notesSlide8.xml><?xml version="1.0" encoding="utf-8"?>
+<p:notes xmlns:a="http://schemas.openxmlformats.org/drawingml/2006/main" xmlns:r="http://schemas.openxmlformats.org/officeDocument/2006/relationships" xmlns:p="http://schemas.openxmlformats.org/presentationml/2006/main">
+  <p:cSld>
+    <p:spTree>
+      <p:nvGrpSpPr>
+        <p:cNvPr id="1" name="">
+          <a:extLst>
+            <a:ext uri="{FF2B5EF4-FFF2-40B4-BE49-F238E27FC236}">
+              <a16:creationId xmlns:a16="http://schemas.microsoft.com/office/drawing/2014/main" id="{3415C166-0F50-E043-8950-9F266C4565AE}"/>
+            </a:ext>
+          </a:extLst>
+        </p:cNvPr>
+        <p:cNvGrpSpPr/>
+        <p:nvPr/>
+      </p:nvGrpSpPr>
+      <p:grpSpPr>
+        <a:xfrm>
+          <a:off x="0" y="0"/>
+          <a:ext cx="0" cy="0"/>
+          <a:chOff x="0" y="0"/>
+          <a:chExt cx="0" cy="0"/>
+        </a:xfrm>
+      </p:grpSpPr>
+      <p:sp>
+        <p:nvSpPr>
+          <p:cNvPr id="2" name="Slide Image Placeholder 1">
+            <a:extLst>
+              <a:ext uri="{FF2B5EF4-FFF2-40B4-BE49-F238E27FC236}">
+                <a16:creationId xmlns:a16="http://schemas.microsoft.com/office/drawing/2014/main" id="{1E497E09-6D11-D0BA-D2D1-5B08FB997731}"/>
+              </a:ext>
+            </a:extLst>
+          </p:cNvPr>
+          <p:cNvSpPr>
+            <a:spLocks noGrp="1" noRot="1" noChangeAspect="1"/>
+          </p:cNvSpPr>
+          <p:nvPr>
+            <p:ph type="sldImg"/>
+          </p:nvPr>
+        </p:nvSpPr>
+        <p:spPr/>
+      </p:sp>
+      <p:sp>
+        <p:nvSpPr>
+          <p:cNvPr id="3" name="Notes Placeholder 2">
+            <a:extLst>
+              <a:ext uri="{FF2B5EF4-FFF2-40B4-BE49-F238E27FC236}">
+                <a16:creationId xmlns:a16="http://schemas.microsoft.com/office/drawing/2014/main" id="{9336C4A5-58A4-D062-54A6-1D67A978E992}"/>
+              </a:ext>
+            </a:extLst>
+          </p:cNvPr>
+          <p:cNvSpPr>
+            <a:spLocks noGrp="1"/>
+          </p:cNvSpPr>
+          <p:nvPr>
+            <p:ph type="body" idx="1"/>
+          </p:nvPr>
+        </p:nvSpPr>
+        <p:spPr/>
+        <p:txBody>
+          <a:bodyPr/>
+          <a:lstStyle/>
+          <a:p>
+            <a:endParaRPr lang="en-US" b="0" dirty="0">
+              <a:solidFill>
+                <a:srgbClr val="CCCCCC"/>
+              </a:solidFill>
+              <a:effectLst/>
+              <a:latin typeface="Menlo" panose="020B0609030804020204" pitchFamily="49" charset="0"/>
+            </a:endParaRPr>
+          </a:p>
+        </p:txBody>
+      </p:sp>
+      <p:sp>
+        <p:nvSpPr>
+          <p:cNvPr id="4" name="Slide Number Placeholder 3">
+            <a:extLst>
+              <a:ext uri="{FF2B5EF4-FFF2-40B4-BE49-F238E27FC236}">
+                <a16:creationId xmlns:a16="http://schemas.microsoft.com/office/drawing/2014/main" id="{9F3FD3E1-ECA8-7789-76B9-A150DB6276EE}"/>
+              </a:ext>
+            </a:extLst>
+          </p:cNvPr>
+          <p:cNvSpPr>
+            <a:spLocks noGrp="1"/>
+          </p:cNvSpPr>
+          <p:nvPr>
+            <p:ph type="sldNum" sz="quarter" idx="5"/>
+          </p:nvPr>
+        </p:nvSpPr>
+        <p:spPr/>
+        <p:txBody>
+          <a:bodyPr/>
+          <a:lstStyle/>
+          <a:p>
+            <a:fld id="{061BAA8C-FDC6-D345-B4E0-3B02449209FB}" type="slidenum">
+              <a:rPr lang="en-US" smtClean="0"/>
+              <a:t>8</a:t>
+            </a:fld>
+            <a:endParaRPr lang="en-US"/>
+          </a:p>
+        </p:txBody>
+      </p:sp>
+    </p:spTree>
+    <p:extLst>
+      <p:ext uri="{BB962C8B-B14F-4D97-AF65-F5344CB8AC3E}">
+        <p14:creationId xmlns:p14="http://schemas.microsoft.com/office/powerpoint/2010/main" val="3687655026"/>
       </p:ext>
     </p:extLst>
   </p:cSld>
@@ -1196,7 +1618,7 @@
           <a:p>
             <a:fld id="{80FC6068-BAFB-FC44-B9D8-F4B3BB105DE6}" type="datetimeFigureOut">
               <a:rPr lang="en-US" smtClean="0"/>
-              <a:t>3/8/24</a:t>
+              <a:t>3/12/24</a:t>
             </a:fld>
             <a:endParaRPr lang="en-US"/>
           </a:p>
@@ -1394,7 +1816,7 @@
           <a:p>
             <a:fld id="{80FC6068-BAFB-FC44-B9D8-F4B3BB105DE6}" type="datetimeFigureOut">
               <a:rPr lang="en-US" smtClean="0"/>
-              <a:t>3/8/24</a:t>
+              <a:t>3/12/24</a:t>
             </a:fld>
             <a:endParaRPr lang="en-US"/>
           </a:p>
@@ -1602,7 +2024,7 @@
           <a:p>
             <a:fld id="{80FC6068-BAFB-FC44-B9D8-F4B3BB105DE6}" type="datetimeFigureOut">
               <a:rPr lang="en-US" smtClean="0"/>
-              <a:t>3/8/24</a:t>
+              <a:t>3/12/24</a:t>
             </a:fld>
             <a:endParaRPr lang="en-US"/>
           </a:p>
@@ -1806,7 +2228,7 @@
           <a:p>
             <a:fld id="{80FC6068-BAFB-FC44-B9D8-F4B3BB105DE6}" type="datetimeFigureOut">
               <a:rPr lang="en-US" smtClean="0"/>
-              <a:t>3/8/24</a:t>
+              <a:t>3/12/24</a:t>
             </a:fld>
             <a:endParaRPr lang="en-US"/>
           </a:p>
@@ -2097,7 +2519,7 @@
           <a:p>
             <a:fld id="{80FC6068-BAFB-FC44-B9D8-F4B3BB105DE6}" type="datetimeFigureOut">
               <a:rPr lang="en-US" smtClean="0"/>
-              <a:t>3/8/24</a:t>
+              <a:t>3/12/24</a:t>
             </a:fld>
             <a:endParaRPr lang="en-US"/>
           </a:p>
@@ -2362,7 +2784,7 @@
           <a:p>
             <a:fld id="{80FC6068-BAFB-FC44-B9D8-F4B3BB105DE6}" type="datetimeFigureOut">
               <a:rPr lang="en-US" smtClean="0"/>
-              <a:t>3/8/24</a:t>
+              <a:t>3/12/24</a:t>
             </a:fld>
             <a:endParaRPr lang="en-US"/>
           </a:p>
@@ -2774,7 +3196,7 @@
           <a:p>
             <a:fld id="{80FC6068-BAFB-FC44-B9D8-F4B3BB105DE6}" type="datetimeFigureOut">
               <a:rPr lang="en-US" smtClean="0"/>
-              <a:t>3/8/24</a:t>
+              <a:t>3/12/24</a:t>
             </a:fld>
             <a:endParaRPr lang="en-US"/>
           </a:p>
@@ -2915,7 +3337,7 @@
           <a:p>
             <a:fld id="{80FC6068-BAFB-FC44-B9D8-F4B3BB105DE6}" type="datetimeFigureOut">
               <a:rPr lang="en-US" smtClean="0"/>
-              <a:t>3/8/24</a:t>
+              <a:t>3/12/24</a:t>
             </a:fld>
             <a:endParaRPr lang="en-US"/>
           </a:p>
@@ -3028,7 +3450,7 @@
           <a:p>
             <a:fld id="{80FC6068-BAFB-FC44-B9D8-F4B3BB105DE6}" type="datetimeFigureOut">
               <a:rPr lang="en-US" smtClean="0"/>
-              <a:t>3/8/24</a:t>
+              <a:t>3/12/24</a:t>
             </a:fld>
             <a:endParaRPr lang="en-US"/>
           </a:p>
@@ -3339,7 +3761,7 @@
           <a:p>
             <a:fld id="{80FC6068-BAFB-FC44-B9D8-F4B3BB105DE6}" type="datetimeFigureOut">
               <a:rPr lang="en-US" smtClean="0"/>
-              <a:t>3/8/24</a:t>
+              <a:t>3/12/24</a:t>
             </a:fld>
             <a:endParaRPr lang="en-US"/>
           </a:p>
@@ -3627,7 +4049,7 @@
           <a:p>
             <a:fld id="{80FC6068-BAFB-FC44-B9D8-F4B3BB105DE6}" type="datetimeFigureOut">
               <a:rPr lang="en-US" smtClean="0"/>
-              <a:t>3/8/24</a:t>
+              <a:t>3/12/24</a:t>
             </a:fld>
             <a:endParaRPr lang="en-US"/>
           </a:p>
@@ -3868,7 +4290,7 @@
           <a:p>
             <a:fld id="{80FC6068-BAFB-FC44-B9D8-F4B3BB105DE6}" type="datetimeFigureOut">
               <a:rPr lang="en-US" smtClean="0"/>
-              <a:t>3/8/24</a:t>
+              <a:t>3/12/24</a:t>
             </a:fld>
             <a:endParaRPr lang="en-US"/>
           </a:p>
@@ -4442,7 +4864,10 @@
           </a:bodyPr>
           <a:lstStyle/>
           <a:p>
-            <a:endParaRPr lang="en-US" dirty="0"/>
+            <a:r>
+              <a:rPr lang="en-US" dirty="0"/>
+              <a:t>GSEA analysis for CD4 subsets (up/down in colitis tissue) vs. other CD4s</a:t>
+            </a:r>
           </a:p>
         </p:txBody>
       </p:sp>
@@ -4467,7 +4892,7 @@
         <p:cNvPr id="1" name="">
           <a:extLst>
             <a:ext uri="{FF2B5EF4-FFF2-40B4-BE49-F238E27FC236}">
-              <a16:creationId xmlns:a16="http://schemas.microsoft.com/office/drawing/2014/main" id="{5F63F271-7169-1115-1EF3-CE3BF477816E}"/>
+              <a16:creationId xmlns:a16="http://schemas.microsoft.com/office/drawing/2014/main" id="{B2EBB653-4350-C80D-242B-7831E70B3F5E}"/>
             </a:ext>
           </a:extLst>
         </p:cNvPr>
@@ -4482,12 +4907,42 @@
           <a:chExt cx="0" cy="0"/>
         </a:xfrm>
       </p:grpSpPr>
-      <p:sp>
-        <p:nvSpPr>
-          <p:cNvPr id="2" name="Title 1">
-            <a:extLst>
-              <a:ext uri="{FF2B5EF4-FFF2-40B4-BE49-F238E27FC236}">
-                <a16:creationId xmlns:a16="http://schemas.microsoft.com/office/drawing/2014/main" id="{FA6F45DB-D64D-9355-7CD2-66B994D6E22E}"/>
+      <p:pic>
+        <p:nvPicPr>
+          <p:cNvPr id="4" name="Picture 3">
+            <a:extLst>
+              <a:ext uri="{FF2B5EF4-FFF2-40B4-BE49-F238E27FC236}">
+                <a16:creationId xmlns:a16="http://schemas.microsoft.com/office/drawing/2014/main" id="{623BC469-43D5-3F32-DA37-4CA6902C3C35}"/>
+              </a:ext>
+            </a:extLst>
+          </p:cNvPr>
+          <p:cNvPicPr>
+            <a:picLocks noChangeAspect="1"/>
+          </p:cNvPicPr>
+          <p:nvPr/>
+        </p:nvPicPr>
+        <p:blipFill>
+          <a:blip r:embed="rId3"/>
+          <a:stretch>
+            <a:fillRect/>
+          </a:stretch>
+        </p:blipFill>
+        <p:spPr>
+          <a:xfrm>
+            <a:off x="1622776" y="1699120"/>
+            <a:ext cx="8842023" cy="5158880"/>
+          </a:xfrm>
+          <a:prstGeom prst="rect">
+            <a:avLst/>
+          </a:prstGeom>
+        </p:spPr>
+      </p:pic>
+      <p:sp>
+        <p:nvSpPr>
+          <p:cNvPr id="10" name="Title 1">
+            <a:extLst>
+              <a:ext uri="{FF2B5EF4-FFF2-40B4-BE49-F238E27FC236}">
+                <a16:creationId xmlns:a16="http://schemas.microsoft.com/office/drawing/2014/main" id="{312D7593-2E1E-F959-D988-8539EB9E3982}"/>
               </a:ext>
             </a:extLst>
           </p:cNvPr>
@@ -4501,7 +4956,7 @@
         <p:spPr>
           <a:xfrm>
             <a:off x="838199" y="593725"/>
-            <a:ext cx="10292255" cy="1325563"/>
+            <a:ext cx="10224911" cy="1384977"/>
           </a:xfrm>
         </p:spPr>
         <p:txBody>
@@ -4512,180 +4967,31 @@
           <a:p>
             <a:r>
               <a:rPr lang="en-US" dirty="0"/>
-              <a:t>Tregs and </a:t>
+              <a:t>What actually are these CD4 TEMs in </a:t>
             </a:r>
             <a:r>
               <a:rPr lang="en-US" dirty="0" err="1"/>
-              <a:t>irAEs</a:t>
-            </a:r>
-            <a:endParaRPr lang="en-US" dirty="0"/>
-          </a:p>
-        </p:txBody>
-      </p:sp>
-      <p:sp>
-        <p:nvSpPr>
-          <p:cNvPr id="4" name="Content Placeholder 2">
-            <a:extLst>
-              <a:ext uri="{FF2B5EF4-FFF2-40B4-BE49-F238E27FC236}">
-                <a16:creationId xmlns:a16="http://schemas.microsoft.com/office/drawing/2014/main" id="{B7BDE894-1569-8C56-F98F-4B6F327E250C}"/>
-              </a:ext>
-            </a:extLst>
-          </p:cNvPr>
-          <p:cNvSpPr>
-            <a:spLocks noGrp="1"/>
-          </p:cNvSpPr>
-          <p:nvPr>
-            <p:ph idx="1"/>
-          </p:nvPr>
-        </p:nvSpPr>
-        <p:spPr>
-          <a:xfrm>
-            <a:off x="838200" y="1919289"/>
-            <a:ext cx="10460421" cy="4623402"/>
-          </a:xfrm>
-        </p:spPr>
-        <p:txBody>
-          <a:bodyPr>
-            <a:normAutofit/>
-          </a:bodyPr>
-          <a:lstStyle/>
-          <a:p>
+              <a:t>Luoma</a:t>
+            </a:r>
             <a:r>
               <a:rPr lang="en-US" dirty="0"/>
-              <a:t>Early expansion of Ki-67+ Tregs associated with </a:t>
-            </a:r>
-            <a:r>
-              <a:rPr lang="en-US" dirty="0" err="1"/>
-              <a:t>irAEs</a:t>
+              <a:t> et al. (2020), </a:t>
+            </a:r>
+            <a:r>
+              <a:rPr lang="en-US" i="1" dirty="0"/>
+              <a:t>Cell</a:t>
             </a:r>
             <a:r>
               <a:rPr lang="en-US" dirty="0"/>
-              <a:t> (</a:t>
-            </a:r>
-            <a:r>
-              <a:rPr lang="en-US" b="0" i="0" u="none" strike="noStrike" dirty="0">
-                <a:solidFill>
-                  <a:srgbClr val="212121"/>
-                </a:solidFill>
-                <a:effectLst/>
-                <a:latin typeface="BlinkMacSystemFont"/>
-              </a:rPr>
-              <a:t>PMID36693381)</a:t>
-            </a:r>
-          </a:p>
-          <a:p>
-            <a:r>
-              <a:rPr lang="en-US" dirty="0">
-                <a:solidFill>
-                  <a:srgbClr val="212121"/>
-                </a:solidFill>
-                <a:latin typeface="BlinkMacSystemFont"/>
-              </a:rPr>
-              <a:t>Tregs trend higher in inflammation-prone </a:t>
-            </a:r>
-            <a:r>
-              <a:rPr lang="en-US" dirty="0" err="1">
-                <a:solidFill>
-                  <a:srgbClr val="212121"/>
-                </a:solidFill>
-                <a:latin typeface="BlinkMacSystemFont"/>
-              </a:rPr>
-              <a:t>irAE</a:t>
-            </a:r>
-            <a:r>
-              <a:rPr lang="en-US" dirty="0">
-                <a:solidFill>
-                  <a:srgbClr val="212121"/>
-                </a:solidFill>
-                <a:latin typeface="BlinkMacSystemFont"/>
-              </a:rPr>
-              <a:t> mouse model, Tregs accrue in human ICB-associated colitis biopsies (PMID36367776)</a:t>
-            </a:r>
-          </a:p>
-          <a:p>
-            <a:endParaRPr lang="en-US" b="0" i="0" u="none" strike="noStrike" dirty="0">
-              <a:solidFill>
-                <a:srgbClr val="212121"/>
-              </a:solidFill>
-              <a:effectLst/>
-              <a:latin typeface="BlinkMacSystemFont"/>
-            </a:endParaRPr>
-          </a:p>
-          <a:p>
-            <a:r>
-              <a:rPr lang="en-US" dirty="0"/>
-              <a:t>Lower baseline levels of Tregs associated with </a:t>
-            </a:r>
-            <a:r>
-              <a:rPr lang="en-US" dirty="0" err="1"/>
-              <a:t>irAEs</a:t>
-            </a:r>
-            <a:r>
-              <a:rPr lang="en-US" dirty="0"/>
-              <a:t> (PMID38233101)</a:t>
-            </a:r>
-            <a:endParaRPr lang="en-US" b="0" i="0" u="none" strike="noStrike" dirty="0">
-              <a:solidFill>
-                <a:srgbClr val="212121"/>
-              </a:solidFill>
-              <a:effectLst/>
-              <a:latin typeface="BlinkMacSystemFont"/>
-            </a:endParaRPr>
-          </a:p>
-          <a:p>
-            <a:r>
-              <a:rPr lang="en-US" b="0" i="0" u="none" strike="noStrike" dirty="0">
-                <a:solidFill>
-                  <a:srgbClr val="212121"/>
-                </a:solidFill>
-                <a:effectLst/>
-                <a:latin typeface="BlinkMacSystemFont"/>
-              </a:rPr>
-              <a:t>Tregs decreased in frequency in </a:t>
-            </a:r>
-            <a:r>
-              <a:rPr lang="en-US" b="0" i="0" u="none" strike="noStrike" dirty="0" err="1">
-                <a:solidFill>
-                  <a:srgbClr val="212121"/>
-                </a:solidFill>
-                <a:effectLst/>
-                <a:latin typeface="BlinkMacSystemFont"/>
-              </a:rPr>
-              <a:t>irAE</a:t>
-            </a:r>
-            <a:r>
-              <a:rPr lang="en-US" b="0" i="0" u="none" strike="noStrike" dirty="0">
-                <a:solidFill>
-                  <a:srgbClr val="212121"/>
-                </a:solidFill>
-                <a:effectLst/>
-                <a:latin typeface="BlinkMacSystemFont"/>
-              </a:rPr>
-              <a:t> patients (PMID37593676</a:t>
-            </a:r>
-            <a:r>
-              <a:rPr lang="en-US" dirty="0">
-                <a:solidFill>
-                  <a:srgbClr val="212121"/>
-                </a:solidFill>
-                <a:latin typeface="BlinkMacSystemFont"/>
-              </a:rPr>
-              <a:t>)</a:t>
-            </a:r>
-            <a:endParaRPr lang="en-US" b="0" i="0" u="none" strike="noStrike" dirty="0">
-              <a:solidFill>
-                <a:srgbClr val="212121"/>
-              </a:solidFill>
-              <a:effectLst/>
-              <a:latin typeface="BlinkMacSystemFont"/>
-            </a:endParaRPr>
+              <a:t> dataset?</a:t>
+            </a:r>
           </a:p>
         </p:txBody>
       </p:sp>
     </p:spTree>
     <p:extLst>
       <p:ext uri="{BB962C8B-B14F-4D97-AF65-F5344CB8AC3E}">
-        <p14:creationId xmlns:p14="http://schemas.microsoft.com/office/powerpoint/2010/main" val="2411882250"/>
+        <p14:creationId xmlns:p14="http://schemas.microsoft.com/office/powerpoint/2010/main" val="2695573951"/>
       </p:ext>
     </p:extLst>
   </p:cSld>
@@ -4703,7 +5009,7 @@
         <p:cNvPr id="1" name="">
           <a:extLst>
             <a:ext uri="{FF2B5EF4-FFF2-40B4-BE49-F238E27FC236}">
-              <a16:creationId xmlns:a16="http://schemas.microsoft.com/office/drawing/2014/main" id="{5F63F271-7169-1115-1EF3-CE3BF477816E}"/>
+              <a16:creationId xmlns:a16="http://schemas.microsoft.com/office/drawing/2014/main" id="{B2EBB653-4350-C80D-242B-7831E70B3F5E}"/>
             </a:ext>
           </a:extLst>
         </p:cNvPr>
@@ -4718,12 +5024,42 @@
           <a:chExt cx="0" cy="0"/>
         </a:xfrm>
       </p:grpSpPr>
-      <p:sp>
-        <p:nvSpPr>
-          <p:cNvPr id="2" name="Title 1">
-            <a:extLst>
-              <a:ext uri="{FF2B5EF4-FFF2-40B4-BE49-F238E27FC236}">
-                <a16:creationId xmlns:a16="http://schemas.microsoft.com/office/drawing/2014/main" id="{FA6F45DB-D64D-9355-7CD2-66B994D6E22E}"/>
+      <p:pic>
+        <p:nvPicPr>
+          <p:cNvPr id="5" name="Picture 4">
+            <a:extLst>
+              <a:ext uri="{FF2B5EF4-FFF2-40B4-BE49-F238E27FC236}">
+                <a16:creationId xmlns:a16="http://schemas.microsoft.com/office/drawing/2014/main" id="{3C33ED8A-6EA6-6480-1D01-E8E85AAE3817}"/>
+              </a:ext>
+            </a:extLst>
+          </p:cNvPr>
+          <p:cNvPicPr>
+            <a:picLocks noChangeAspect="1"/>
+          </p:cNvPicPr>
+          <p:nvPr/>
+        </p:nvPicPr>
+        <p:blipFill>
+          <a:blip r:embed="rId3"/>
+          <a:stretch>
+            <a:fillRect/>
+          </a:stretch>
+        </p:blipFill>
+        <p:spPr>
+          <a:xfrm>
+            <a:off x="1419578" y="1696257"/>
+            <a:ext cx="8706556" cy="5161743"/>
+          </a:xfrm>
+          <a:prstGeom prst="rect">
+            <a:avLst/>
+          </a:prstGeom>
+        </p:spPr>
+      </p:pic>
+      <p:sp>
+        <p:nvSpPr>
+          <p:cNvPr id="10" name="Title 1">
+            <a:extLst>
+              <a:ext uri="{FF2B5EF4-FFF2-40B4-BE49-F238E27FC236}">
+                <a16:creationId xmlns:a16="http://schemas.microsoft.com/office/drawing/2014/main" id="{312D7593-2E1E-F959-D988-8539EB9E3982}"/>
               </a:ext>
             </a:extLst>
           </p:cNvPr>
@@ -4737,7 +5073,7 @@
         <p:spPr>
           <a:xfrm>
             <a:off x="838199" y="593725"/>
-            <a:ext cx="10533994" cy="1325563"/>
+            <a:ext cx="10224911" cy="1384977"/>
           </a:xfrm>
         </p:spPr>
         <p:txBody>
@@ -4748,62 +5084,23 @@
           <a:p>
             <a:r>
               <a:rPr lang="en-US" dirty="0"/>
-              <a:t>Conclusions</a:t>
-            </a:r>
-          </a:p>
-        </p:txBody>
-      </p:sp>
-      <p:sp>
-        <p:nvSpPr>
-          <p:cNvPr id="3" name="Content Placeholder 2">
-            <a:extLst>
-              <a:ext uri="{FF2B5EF4-FFF2-40B4-BE49-F238E27FC236}">
-                <a16:creationId xmlns:a16="http://schemas.microsoft.com/office/drawing/2014/main" id="{28955BE2-D76F-6F20-59F9-5AB74A7BB43C}"/>
-              </a:ext>
-            </a:extLst>
-          </p:cNvPr>
-          <p:cNvSpPr>
-            <a:spLocks noGrp="1"/>
-          </p:cNvSpPr>
-          <p:nvPr>
-            <p:ph idx="1"/>
-          </p:nvPr>
-        </p:nvSpPr>
-        <p:spPr>
-          <a:xfrm>
-            <a:off x="838200" y="1919289"/>
-            <a:ext cx="10460421" cy="4623402"/>
-          </a:xfrm>
-        </p:spPr>
-        <p:txBody>
-          <a:bodyPr>
-            <a:normAutofit/>
-          </a:bodyPr>
-          <a:lstStyle/>
-          <a:p>
-            <a:pPr marL="514350" indent="-514350">
-              <a:buFont typeface="+mj-lt"/>
-              <a:buAutoNum type="arabicPeriod"/>
-            </a:pPr>
+              <a:t>What actually are these CD4 proliferating Ts in </a:t>
+            </a:r>
+            <a:r>
+              <a:rPr lang="en-US" dirty="0" err="1"/>
+              <a:t>Luoma</a:t>
+            </a:r>
             <a:r>
               <a:rPr lang="en-US" dirty="0"/>
-              <a:t>No TCR feature differences between </a:t>
-            </a:r>
-            <a:r>
-              <a:rPr lang="en-US" dirty="0" err="1"/>
-              <a:t>irAE</a:t>
+              <a:t> et al. (2020), </a:t>
+            </a:r>
+            <a:r>
+              <a:rPr lang="en-US" i="1" dirty="0"/>
+              <a:t>Cell</a:t>
             </a:r>
             <a:r>
               <a:rPr lang="en-US" dirty="0"/>
-              <a:t> groups within </a:t>
-            </a:r>
-            <a:r>
-              <a:rPr lang="en-US" dirty="0" err="1"/>
-              <a:t>SingleR</a:t>
-            </a:r>
-            <a:r>
-              <a:rPr lang="en-US" dirty="0"/>
-              <a:t> cell types at highly expanded level, some differences at whole level but nothing consistent across both colitis datasets (data not shown)</a:t>
+              <a:t> dataset?</a:t>
             </a:r>
           </a:p>
         </p:txBody>
@@ -4811,7 +5108,7 @@
     </p:spTree>
     <p:extLst>
       <p:ext uri="{BB962C8B-B14F-4D97-AF65-F5344CB8AC3E}">
-        <p14:creationId xmlns:p14="http://schemas.microsoft.com/office/powerpoint/2010/main" val="33705843"/>
+        <p14:creationId xmlns:p14="http://schemas.microsoft.com/office/powerpoint/2010/main" val="4168922299"/>
       </p:ext>
     </p:extLst>
   </p:cSld>
@@ -4862,8 +5159,8 @@
         </p:nvSpPr>
         <p:spPr>
           <a:xfrm>
-            <a:off x="838200" y="593725"/>
-            <a:ext cx="3561080" cy="1325563"/>
+            <a:off x="838199" y="593725"/>
+            <a:ext cx="10292255" cy="1325563"/>
           </a:xfrm>
         </p:spPr>
         <p:txBody>
@@ -4874,17 +5171,22 @@
           <a:p>
             <a:r>
               <a:rPr lang="en-US" dirty="0"/>
-              <a:t>Next steps</a:t>
-            </a:r>
-          </a:p>
-        </p:txBody>
-      </p:sp>
-      <p:sp>
-        <p:nvSpPr>
-          <p:cNvPr id="3" name="Content Placeholder 2">
-            <a:extLst>
-              <a:ext uri="{FF2B5EF4-FFF2-40B4-BE49-F238E27FC236}">
-                <a16:creationId xmlns:a16="http://schemas.microsoft.com/office/drawing/2014/main" id="{28955BE2-D76F-6F20-59F9-5AB74A7BB43C}"/>
+              <a:t>Tregs and </a:t>
+            </a:r>
+            <a:r>
+              <a:rPr lang="en-US" dirty="0" err="1"/>
+              <a:t>irAEs</a:t>
+            </a:r>
+            <a:endParaRPr lang="en-US" dirty="0"/>
+          </a:p>
+        </p:txBody>
+      </p:sp>
+      <p:sp>
+        <p:nvSpPr>
+          <p:cNvPr id="4" name="Content Placeholder 2">
+            <a:extLst>
+              <a:ext uri="{FF2B5EF4-FFF2-40B4-BE49-F238E27FC236}">
+                <a16:creationId xmlns:a16="http://schemas.microsoft.com/office/drawing/2014/main" id="{B7BDE894-1569-8C56-F98F-4B6F327E250C}"/>
               </a:ext>
             </a:extLst>
           </p:cNvPr>
@@ -4897,8 +5199,548 @@
         </p:nvSpPr>
         <p:spPr>
           <a:xfrm>
-            <a:off x="838201" y="1919289"/>
-            <a:ext cx="9798268" cy="4623402"/>
+            <a:off x="838200" y="1919289"/>
+            <a:ext cx="10460421" cy="4623402"/>
+          </a:xfrm>
+        </p:spPr>
+        <p:txBody>
+          <a:bodyPr>
+            <a:normAutofit/>
+          </a:bodyPr>
+          <a:lstStyle/>
+          <a:p>
+            <a:r>
+              <a:rPr lang="en-US" dirty="0"/>
+              <a:t>Early expansion of Ki-67+ Tregs associated with </a:t>
+            </a:r>
+            <a:r>
+              <a:rPr lang="en-US" dirty="0" err="1"/>
+              <a:t>irAEs</a:t>
+            </a:r>
+            <a:r>
+              <a:rPr lang="en-US" dirty="0"/>
+              <a:t> (</a:t>
+            </a:r>
+            <a:r>
+              <a:rPr lang="en-US" b="0" i="0" u="none" strike="noStrike" dirty="0">
+                <a:solidFill>
+                  <a:srgbClr val="212121"/>
+                </a:solidFill>
+                <a:effectLst/>
+                <a:latin typeface="BlinkMacSystemFont"/>
+              </a:rPr>
+              <a:t>PMID36693381)</a:t>
+            </a:r>
+          </a:p>
+          <a:p>
+            <a:r>
+              <a:rPr lang="en-US" dirty="0">
+                <a:solidFill>
+                  <a:srgbClr val="212121"/>
+                </a:solidFill>
+                <a:latin typeface="BlinkMacSystemFont"/>
+              </a:rPr>
+              <a:t>Tregs trend higher in inflammation-prone </a:t>
+            </a:r>
+            <a:r>
+              <a:rPr lang="en-US" dirty="0" err="1">
+                <a:solidFill>
+                  <a:srgbClr val="212121"/>
+                </a:solidFill>
+                <a:latin typeface="BlinkMacSystemFont"/>
+              </a:rPr>
+              <a:t>irAE</a:t>
+            </a:r>
+            <a:r>
+              <a:rPr lang="en-US" dirty="0">
+                <a:solidFill>
+                  <a:srgbClr val="212121"/>
+                </a:solidFill>
+                <a:latin typeface="BlinkMacSystemFont"/>
+              </a:rPr>
+              <a:t> mouse model, Tregs accrue in human ICB-associated colitis biopsies (PMID36367776)</a:t>
+            </a:r>
+          </a:p>
+          <a:p>
+            <a:endParaRPr lang="en-US" b="0" i="0" u="none" strike="noStrike" dirty="0">
+              <a:solidFill>
+                <a:srgbClr val="212121"/>
+              </a:solidFill>
+              <a:effectLst/>
+              <a:latin typeface="BlinkMacSystemFont"/>
+            </a:endParaRPr>
+          </a:p>
+          <a:p>
+            <a:r>
+              <a:rPr lang="en-US" dirty="0"/>
+              <a:t>Lower baseline levels of Tregs associated with </a:t>
+            </a:r>
+            <a:r>
+              <a:rPr lang="en-US" dirty="0" err="1"/>
+              <a:t>irAEs</a:t>
+            </a:r>
+            <a:r>
+              <a:rPr lang="en-US" dirty="0"/>
+              <a:t> (PMID38233101)</a:t>
+            </a:r>
+            <a:endParaRPr lang="en-US" b="0" i="0" u="none" strike="noStrike" dirty="0">
+              <a:solidFill>
+                <a:srgbClr val="212121"/>
+              </a:solidFill>
+              <a:effectLst/>
+              <a:latin typeface="BlinkMacSystemFont"/>
+            </a:endParaRPr>
+          </a:p>
+          <a:p>
+            <a:r>
+              <a:rPr lang="en-US" b="0" i="0" u="none" strike="noStrike" dirty="0">
+                <a:solidFill>
+                  <a:srgbClr val="212121"/>
+                </a:solidFill>
+                <a:effectLst/>
+                <a:latin typeface="BlinkMacSystemFont"/>
+              </a:rPr>
+              <a:t>Tregs decreased in frequency in </a:t>
+            </a:r>
+            <a:r>
+              <a:rPr lang="en-US" b="0" i="0" u="none" strike="noStrike" dirty="0" err="1">
+                <a:solidFill>
+                  <a:srgbClr val="212121"/>
+                </a:solidFill>
+                <a:effectLst/>
+                <a:latin typeface="BlinkMacSystemFont"/>
+              </a:rPr>
+              <a:t>irAE</a:t>
+            </a:r>
+            <a:r>
+              <a:rPr lang="en-US" b="0" i="0" u="none" strike="noStrike" dirty="0">
+                <a:solidFill>
+                  <a:srgbClr val="212121"/>
+                </a:solidFill>
+                <a:effectLst/>
+                <a:latin typeface="BlinkMacSystemFont"/>
+              </a:rPr>
+              <a:t> patients (PMID37593676</a:t>
+            </a:r>
+            <a:r>
+              <a:rPr lang="en-US" dirty="0">
+                <a:solidFill>
+                  <a:srgbClr val="212121"/>
+                </a:solidFill>
+                <a:latin typeface="BlinkMacSystemFont"/>
+              </a:rPr>
+              <a:t>)</a:t>
+            </a:r>
+            <a:endParaRPr lang="en-US" b="0" i="0" u="none" strike="noStrike" dirty="0">
+              <a:solidFill>
+                <a:srgbClr val="212121"/>
+              </a:solidFill>
+              <a:effectLst/>
+              <a:latin typeface="BlinkMacSystemFont"/>
+            </a:endParaRPr>
+          </a:p>
+        </p:txBody>
+      </p:sp>
+    </p:spTree>
+    <p:extLst>
+      <p:ext uri="{BB962C8B-B14F-4D97-AF65-F5344CB8AC3E}">
+        <p14:creationId xmlns:p14="http://schemas.microsoft.com/office/powerpoint/2010/main" val="2336624559"/>
+      </p:ext>
+    </p:extLst>
+  </p:cSld>
+  <p:clrMapOvr>
+    <a:masterClrMapping/>
+  </p:clrMapOvr>
+</p:sld>
+</file>
+
+<file path=ppt/slides/slide6.xml><?xml version="1.0" encoding="utf-8"?>
+<p:sld xmlns:a="http://schemas.openxmlformats.org/drawingml/2006/main" xmlns:r="http://schemas.openxmlformats.org/officeDocument/2006/relationships" xmlns:p="http://schemas.openxmlformats.org/presentationml/2006/main">
+  <p:cSld>
+    <p:spTree>
+      <p:nvGrpSpPr>
+        <p:cNvPr id="1" name="">
+          <a:extLst>
+            <a:ext uri="{FF2B5EF4-FFF2-40B4-BE49-F238E27FC236}">
+              <a16:creationId xmlns:a16="http://schemas.microsoft.com/office/drawing/2014/main" id="{B2EBB653-4350-C80D-242B-7831E70B3F5E}"/>
+            </a:ext>
+          </a:extLst>
+        </p:cNvPr>
+        <p:cNvGrpSpPr/>
+        <p:nvPr/>
+      </p:nvGrpSpPr>
+      <p:grpSpPr>
+        <a:xfrm>
+          <a:off x="0" y="0"/>
+          <a:ext cx="0" cy="0"/>
+          <a:chOff x="0" y="0"/>
+          <a:chExt cx="0" cy="0"/>
+        </a:xfrm>
+      </p:grpSpPr>
+      <p:sp>
+        <p:nvSpPr>
+          <p:cNvPr id="10" name="Title 1">
+            <a:extLst>
+              <a:ext uri="{FF2B5EF4-FFF2-40B4-BE49-F238E27FC236}">
+                <a16:creationId xmlns:a16="http://schemas.microsoft.com/office/drawing/2014/main" id="{312D7593-2E1E-F959-D988-8539EB9E3982}"/>
+              </a:ext>
+            </a:extLst>
+          </p:cNvPr>
+          <p:cNvSpPr>
+            <a:spLocks noGrp="1"/>
+          </p:cNvSpPr>
+          <p:nvPr>
+            <p:ph type="title"/>
+          </p:nvPr>
+        </p:nvSpPr>
+        <p:spPr>
+          <a:xfrm>
+            <a:off x="838199" y="593725"/>
+            <a:ext cx="10224911" cy="1384977"/>
+          </a:xfrm>
+        </p:spPr>
+        <p:txBody>
+          <a:bodyPr>
+            <a:normAutofit/>
+          </a:bodyPr>
+          <a:lstStyle/>
+          <a:p>
+            <a:r>
+              <a:rPr lang="en-US" dirty="0"/>
+              <a:t>What actually are these memory Tregs in </a:t>
+            </a:r>
+            <a:r>
+              <a:rPr lang="en-US" dirty="0" err="1"/>
+              <a:t>Luoma</a:t>
+            </a:r>
+            <a:r>
+              <a:rPr lang="en-US" dirty="0"/>
+              <a:t> et al. (2020), </a:t>
+            </a:r>
+            <a:r>
+              <a:rPr lang="en-US" i="1" dirty="0"/>
+              <a:t>Cell</a:t>
+            </a:r>
+            <a:r>
+              <a:rPr lang="en-US" dirty="0"/>
+              <a:t> dataset?</a:t>
+            </a:r>
+          </a:p>
+        </p:txBody>
+      </p:sp>
+      <p:pic>
+        <p:nvPicPr>
+          <p:cNvPr id="2" name="Picture 1">
+            <a:extLst>
+              <a:ext uri="{FF2B5EF4-FFF2-40B4-BE49-F238E27FC236}">
+                <a16:creationId xmlns:a16="http://schemas.microsoft.com/office/drawing/2014/main" id="{99F637C4-2414-597A-DF2C-30B53240437A}"/>
+              </a:ext>
+            </a:extLst>
+          </p:cNvPr>
+          <p:cNvPicPr>
+            <a:picLocks noChangeAspect="1"/>
+          </p:cNvPicPr>
+          <p:nvPr/>
+        </p:nvPicPr>
+        <p:blipFill>
+          <a:blip r:embed="rId3"/>
+          <a:stretch>
+            <a:fillRect/>
+          </a:stretch>
+        </p:blipFill>
+        <p:spPr>
+          <a:xfrm>
+            <a:off x="1744717" y="1728948"/>
+            <a:ext cx="8534400" cy="5079128"/>
+          </a:xfrm>
+          <a:prstGeom prst="rect">
+            <a:avLst/>
+          </a:prstGeom>
+        </p:spPr>
+      </p:pic>
+    </p:spTree>
+    <p:extLst>
+      <p:ext uri="{BB962C8B-B14F-4D97-AF65-F5344CB8AC3E}">
+        <p14:creationId xmlns:p14="http://schemas.microsoft.com/office/powerpoint/2010/main" val="3025048135"/>
+      </p:ext>
+    </p:extLst>
+  </p:cSld>
+  <p:clrMapOvr>
+    <a:masterClrMapping/>
+  </p:clrMapOvr>
+</p:sld>
+</file>
+
+<file path=ppt/slides/slide7.xml><?xml version="1.0" encoding="utf-8"?>
+<p:sld xmlns:a="http://schemas.openxmlformats.org/drawingml/2006/main" xmlns:r="http://schemas.openxmlformats.org/officeDocument/2006/relationships" xmlns:p="http://schemas.openxmlformats.org/presentationml/2006/main">
+  <p:cSld>
+    <p:spTree>
+      <p:nvGrpSpPr>
+        <p:cNvPr id="1" name="">
+          <a:extLst>
+            <a:ext uri="{FF2B5EF4-FFF2-40B4-BE49-F238E27FC236}">
+              <a16:creationId xmlns:a16="http://schemas.microsoft.com/office/drawing/2014/main" id="{B2EBB653-4350-C80D-242B-7831E70B3F5E}"/>
+            </a:ext>
+          </a:extLst>
+        </p:cNvPr>
+        <p:cNvGrpSpPr/>
+        <p:nvPr/>
+      </p:nvGrpSpPr>
+      <p:grpSpPr>
+        <a:xfrm>
+          <a:off x="0" y="0"/>
+          <a:ext cx="0" cy="0"/>
+          <a:chOff x="0" y="0"/>
+          <a:chExt cx="0" cy="0"/>
+        </a:xfrm>
+      </p:grpSpPr>
+      <p:sp>
+        <p:nvSpPr>
+          <p:cNvPr id="10" name="Title 1">
+            <a:extLst>
+              <a:ext uri="{FF2B5EF4-FFF2-40B4-BE49-F238E27FC236}">
+                <a16:creationId xmlns:a16="http://schemas.microsoft.com/office/drawing/2014/main" id="{312D7593-2E1E-F959-D988-8539EB9E3982}"/>
+              </a:ext>
+            </a:extLst>
+          </p:cNvPr>
+          <p:cNvSpPr>
+            <a:spLocks noGrp="1"/>
+          </p:cNvSpPr>
+          <p:nvPr>
+            <p:ph type="title"/>
+          </p:nvPr>
+        </p:nvSpPr>
+        <p:spPr>
+          <a:xfrm>
+            <a:off x="838199" y="593725"/>
+            <a:ext cx="10224911" cy="1384977"/>
+          </a:xfrm>
+        </p:spPr>
+        <p:txBody>
+          <a:bodyPr>
+            <a:normAutofit fontScale="90000"/>
+          </a:bodyPr>
+          <a:lstStyle/>
+          <a:p>
+            <a:r>
+              <a:rPr lang="en-US" dirty="0"/>
+              <a:t>Despite having gene sets associated with cell cycle activated, memory Tregs don’t have high expression of proliferation markers (</a:t>
+            </a:r>
+            <a:r>
+              <a:rPr lang="en-US" dirty="0" err="1"/>
+              <a:t>Luoma</a:t>
+            </a:r>
+            <a:r>
+              <a:rPr lang="en-US" dirty="0"/>
+              <a:t> et al. (2020), </a:t>
+            </a:r>
+            <a:r>
+              <a:rPr lang="en-US" i="1" dirty="0"/>
+              <a:t>Cell</a:t>
+            </a:r>
+            <a:r>
+              <a:rPr lang="en-US" dirty="0"/>
+              <a:t> dataset)</a:t>
+            </a:r>
+          </a:p>
+        </p:txBody>
+      </p:sp>
+      <p:pic>
+        <p:nvPicPr>
+          <p:cNvPr id="3" name="Picture 2">
+            <a:extLst>
+              <a:ext uri="{FF2B5EF4-FFF2-40B4-BE49-F238E27FC236}">
+                <a16:creationId xmlns:a16="http://schemas.microsoft.com/office/drawing/2014/main" id="{FD2FC413-5AD9-AB94-0D24-A4B509545AD3}"/>
+              </a:ext>
+            </a:extLst>
+          </p:cNvPr>
+          <p:cNvPicPr>
+            <a:picLocks noChangeAspect="1"/>
+          </p:cNvPicPr>
+          <p:nvPr/>
+        </p:nvPicPr>
+        <p:blipFill>
+          <a:blip r:embed="rId3"/>
+          <a:stretch>
+            <a:fillRect/>
+          </a:stretch>
+        </p:blipFill>
+        <p:spPr>
+          <a:xfrm>
+            <a:off x="133853" y="2254845"/>
+            <a:ext cx="5962147" cy="3609561"/>
+          </a:xfrm>
+          <a:prstGeom prst="rect">
+            <a:avLst/>
+          </a:prstGeom>
+        </p:spPr>
+      </p:pic>
+      <p:pic>
+        <p:nvPicPr>
+          <p:cNvPr id="4" name="Picture 3">
+            <a:extLst>
+              <a:ext uri="{FF2B5EF4-FFF2-40B4-BE49-F238E27FC236}">
+                <a16:creationId xmlns:a16="http://schemas.microsoft.com/office/drawing/2014/main" id="{FA63B66A-0592-8AF0-0FC9-D904F84E8DB0}"/>
+              </a:ext>
+            </a:extLst>
+          </p:cNvPr>
+          <p:cNvPicPr>
+            <a:picLocks noChangeAspect="1"/>
+          </p:cNvPicPr>
+          <p:nvPr/>
+        </p:nvPicPr>
+        <p:blipFill>
+          <a:blip r:embed="rId4"/>
+          <a:stretch>
+            <a:fillRect/>
+          </a:stretch>
+        </p:blipFill>
+        <p:spPr>
+          <a:xfrm>
+            <a:off x="6096000" y="2270127"/>
+            <a:ext cx="5962146" cy="3578996"/>
+          </a:xfrm>
+          <a:prstGeom prst="rect">
+            <a:avLst/>
+          </a:prstGeom>
+        </p:spPr>
+      </p:pic>
+      <p:sp>
+        <p:nvSpPr>
+          <p:cNvPr id="5" name="TextBox 4">
+            <a:extLst>
+              <a:ext uri="{FF2B5EF4-FFF2-40B4-BE49-F238E27FC236}">
+                <a16:creationId xmlns:a16="http://schemas.microsoft.com/office/drawing/2014/main" id="{A99D79F6-8B2B-F2FA-1532-AF1762E312B1}"/>
+              </a:ext>
+            </a:extLst>
+          </p:cNvPr>
+          <p:cNvSpPr txBox="1"/>
+          <p:nvPr/>
+        </p:nvSpPr>
+        <p:spPr>
+          <a:xfrm>
+            <a:off x="2196662" y="5941109"/>
+            <a:ext cx="7559570" cy="646331"/>
+          </a:xfrm>
+          <a:prstGeom prst="rect">
+            <a:avLst/>
+          </a:prstGeom>
+          <a:noFill/>
+        </p:spPr>
+        <p:txBody>
+          <a:bodyPr wrap="none" rtlCol="0">
+            <a:spAutoFit/>
+          </a:bodyPr>
+          <a:lstStyle/>
+          <a:p>
+            <a:r>
+              <a:rPr lang="en-US" dirty="0"/>
+              <a:t>Same trends for </a:t>
+            </a:r>
+            <a:r>
+              <a:rPr lang="en-US" i="1" dirty="0"/>
+              <a:t>PCNA, MCM2</a:t>
+            </a:r>
+          </a:p>
+          <a:p>
+            <a:r>
+              <a:rPr lang="en-US" dirty="0"/>
+              <a:t>Checked a bunch of proliferation genes and memory Tregs &lt;&lt; CD4 proliferating</a:t>
+            </a:r>
+          </a:p>
+        </p:txBody>
+      </p:sp>
+    </p:spTree>
+    <p:extLst>
+      <p:ext uri="{BB962C8B-B14F-4D97-AF65-F5344CB8AC3E}">
+        <p14:creationId xmlns:p14="http://schemas.microsoft.com/office/powerpoint/2010/main" val="1628494486"/>
+      </p:ext>
+    </p:extLst>
+  </p:cSld>
+  <p:clrMapOvr>
+    <a:masterClrMapping/>
+  </p:clrMapOvr>
+</p:sld>
+</file>
+
+<file path=ppt/slides/slide8.xml><?xml version="1.0" encoding="utf-8"?>
+<p:sld xmlns:a="http://schemas.openxmlformats.org/drawingml/2006/main" xmlns:r="http://schemas.openxmlformats.org/officeDocument/2006/relationships" xmlns:p="http://schemas.openxmlformats.org/presentationml/2006/main">
+  <p:cSld>
+    <p:spTree>
+      <p:nvGrpSpPr>
+        <p:cNvPr id="1" name="">
+          <a:extLst>
+            <a:ext uri="{FF2B5EF4-FFF2-40B4-BE49-F238E27FC236}">
+              <a16:creationId xmlns:a16="http://schemas.microsoft.com/office/drawing/2014/main" id="{5F63F271-7169-1115-1EF3-CE3BF477816E}"/>
+            </a:ext>
+          </a:extLst>
+        </p:cNvPr>
+        <p:cNvGrpSpPr/>
+        <p:nvPr/>
+      </p:nvGrpSpPr>
+      <p:grpSpPr>
+        <a:xfrm>
+          <a:off x="0" y="0"/>
+          <a:ext cx="0" cy="0"/>
+          <a:chOff x="0" y="0"/>
+          <a:chExt cx="0" cy="0"/>
+        </a:xfrm>
+      </p:grpSpPr>
+      <p:sp>
+        <p:nvSpPr>
+          <p:cNvPr id="2" name="Title 1">
+            <a:extLst>
+              <a:ext uri="{FF2B5EF4-FFF2-40B4-BE49-F238E27FC236}">
+                <a16:creationId xmlns:a16="http://schemas.microsoft.com/office/drawing/2014/main" id="{FA6F45DB-D64D-9355-7CD2-66B994D6E22E}"/>
+              </a:ext>
+            </a:extLst>
+          </p:cNvPr>
+          <p:cNvSpPr>
+            <a:spLocks noGrp="1"/>
+          </p:cNvSpPr>
+          <p:nvPr>
+            <p:ph type="title"/>
+          </p:nvPr>
+        </p:nvSpPr>
+        <p:spPr>
+          <a:xfrm>
+            <a:off x="838199" y="593725"/>
+            <a:ext cx="10533994" cy="1325563"/>
+          </a:xfrm>
+        </p:spPr>
+        <p:txBody>
+          <a:bodyPr>
+            <a:normAutofit/>
+          </a:bodyPr>
+          <a:lstStyle/>
+          <a:p>
+            <a:r>
+              <a:rPr lang="en-US" dirty="0"/>
+              <a:t>Conclusions</a:t>
+            </a:r>
+          </a:p>
+        </p:txBody>
+      </p:sp>
+      <p:sp>
+        <p:nvSpPr>
+          <p:cNvPr id="3" name="Content Placeholder 2">
+            <a:extLst>
+              <a:ext uri="{FF2B5EF4-FFF2-40B4-BE49-F238E27FC236}">
+                <a16:creationId xmlns:a16="http://schemas.microsoft.com/office/drawing/2014/main" id="{28955BE2-D76F-6F20-59F9-5AB74A7BB43C}"/>
+              </a:ext>
+            </a:extLst>
+          </p:cNvPr>
+          <p:cNvSpPr>
+            <a:spLocks noGrp="1"/>
+          </p:cNvSpPr>
+          <p:nvPr>
+            <p:ph idx="1"/>
+          </p:nvPr>
+        </p:nvSpPr>
+        <p:spPr>
+          <a:xfrm>
+            <a:off x="838200" y="1919289"/>
+            <a:ext cx="10460421" cy="4623402"/>
           </a:xfrm>
         </p:spPr>
         <p:txBody>
@@ -4911,14 +5753,43 @@
               <a:buFont typeface="+mj-lt"/>
               <a:buAutoNum type="arabicPeriod"/>
             </a:pPr>
-            <a:endParaRPr lang="en-US" dirty="0"/>
+            <a:r>
+              <a:rPr lang="en-US" dirty="0"/>
+              <a:t>No TCR feature differences between </a:t>
+            </a:r>
+            <a:r>
+              <a:rPr lang="en-US" dirty="0" err="1"/>
+              <a:t>irAE</a:t>
+            </a:r>
+            <a:r>
+              <a:rPr lang="en-US" dirty="0"/>
+              <a:t> groups within </a:t>
+            </a:r>
+            <a:r>
+              <a:rPr lang="en-US" dirty="0" err="1"/>
+              <a:t>SingleR</a:t>
+            </a:r>
+            <a:r>
+              <a:rPr lang="en-US" dirty="0"/>
+              <a:t> cell types at highly expanded level, some differences at whole level but nothing consistent across both colitis datasets (data not shown)</a:t>
+            </a:r>
+          </a:p>
+          <a:p>
+            <a:pPr marL="514350" indent="-514350">
+              <a:buFont typeface="+mj-lt"/>
+              <a:buAutoNum type="arabicPeriod"/>
+            </a:pPr>
+            <a:r>
+              <a:rPr lang="en-US" dirty="0"/>
+              <a:t>GSEA analysis wasn’t too illuminating… memory Tregs are ~proliferative?</a:t>
+            </a:r>
           </a:p>
         </p:txBody>
       </p:sp>
     </p:spTree>
     <p:extLst>
       <p:ext uri="{BB962C8B-B14F-4D97-AF65-F5344CB8AC3E}">
-        <p14:creationId xmlns:p14="http://schemas.microsoft.com/office/powerpoint/2010/main" val="3267213615"/>
+        <p14:creationId xmlns:p14="http://schemas.microsoft.com/office/powerpoint/2010/main" val="33705843"/>
       </p:ext>
     </p:extLst>
   </p:cSld>
